--- a/DOCS/presentation GTA.pptx
+++ b/DOCS/presentation GTA.pptx
@@ -279,6 +279,11 @@
       </a:defRPr>
     </a:lvl9pPr>
   </p:defaultTextStyle>
+  <p:extLst>
+    <p:ext uri="{EFAFB233-063F-42B5-8137-9DF3F51BA10A}">
+      <p15:sldGuideLst xmlns:p15="http://schemas.microsoft.com/office/powerpoint/2012/main"/>
+    </p:ext>
+  </p:extLst>
 </p:presentation>
 </file>
 
@@ -3967,7 +3972,7 @@
           <a:p>
             <a:fld id="{48A87A34-81AB-432B-8DAE-1953F412C126}" type="datetimeFigureOut">
               <a:rPr lang="en-US" dirty="0"/>
-              <a:t>2/26/2023</a:t>
+              <a:t>2/27/2023</a:t>
             </a:fld>
             <a:endParaRPr lang="en-US" dirty="0"/>
           </a:p>
@@ -4137,7 +4142,7 @@
           <a:p>
             <a:fld id="{48A87A34-81AB-432B-8DAE-1953F412C126}" type="datetimeFigureOut">
               <a:rPr lang="en-US" dirty="0"/>
-              <a:t>2/26/2023</a:t>
+              <a:t>2/27/2023</a:t>
             </a:fld>
             <a:endParaRPr lang="en-US" dirty="0"/>
           </a:p>
@@ -4659,7 +4664,7 @@
           <a:p>
             <a:fld id="{48A87A34-81AB-432B-8DAE-1953F412C126}" type="datetimeFigureOut">
               <a:rPr lang="en-US" dirty="0"/>
-              <a:t>2/26/2023</a:t>
+              <a:t>2/27/2023</a:t>
             </a:fld>
             <a:endParaRPr lang="en-US" dirty="0"/>
           </a:p>
@@ -20158,6 +20163,9 @@
             </a:pPr>
             <a:r>
               <a:rPr lang="fr-FR" sz="2250" dirty="0">
+                <a:solidFill>
+                  <a:schemeClr val="tx1"/>
+                </a:solidFill>
                 <a:latin typeface="Trebuchet MS" panose="020B0603020202020204" pitchFamily="34" charset="0"/>
                 <a:ea typeface="Calibri" panose="020F0502020204030204" pitchFamily="34" charset="0"/>
                 <a:cs typeface="Times New Roman" panose="02020603050405020304" pitchFamily="18" charset="0"/>
